--- a/Presentación Proyectos XD Oficial ADSI IIl.pptx
+++ b/Presentación Proyectos XD Oficial ADSI IIl.pptx
@@ -5,10 +5,10 @@
     <p:sldMasterId id="2147483648" r:id="rId1"/>
   </p:sldMasterIdLst>
   <p:notesMasterIdLst>
-    <p:notesMasterId r:id="rId22"/>
+    <p:notesMasterId r:id="rId24"/>
   </p:notesMasterIdLst>
   <p:handoutMasterIdLst>
-    <p:handoutMasterId r:id="rId23"/>
+    <p:handoutMasterId r:id="rId25"/>
   </p:handoutMasterIdLst>
   <p:sldIdLst>
     <p:sldId id="323" r:id="rId2"/>
@@ -28,9 +28,11 @@
     <p:sldId id="355" r:id="rId16"/>
     <p:sldId id="356" r:id="rId17"/>
     <p:sldId id="357" r:id="rId18"/>
-    <p:sldId id="359" r:id="rId19"/>
-    <p:sldId id="358" r:id="rId20"/>
-    <p:sldId id="371" r:id="rId21"/>
+    <p:sldId id="358" r:id="rId19"/>
+    <p:sldId id="359" r:id="rId20"/>
+    <p:sldId id="372" r:id="rId21"/>
+    <p:sldId id="373" r:id="rId22"/>
+    <p:sldId id="371" r:id="rId23"/>
   </p:sldIdLst>
   <p:sldSz cx="9144000" cy="6858000" type="screen4x3"/>
   <p:notesSz cx="6858000" cy="9144000"/>
@@ -191,7 +193,7 @@
         <a:lstStyle/>
         <a:p>
           <a:pPr>
-            <a:defRPr sz="2128" b="1" i="0" u="none" strike="noStrike" kern="1200" cap="all" spc="120" normalizeH="0" baseline="0">
+            <a:defRPr sz="1600" b="1" i="0" u="none" strike="noStrike" kern="1200" cap="all" spc="120" normalizeH="0" baseline="0">
               <a:solidFill>
                 <a:schemeClr val="tx1">
                   <a:lumMod val="65000"/>
@@ -253,7 +255,7 @@
               <a:lstStyle/>
               <a:p>
                 <a:pPr>
-                  <a:defRPr sz="1064" b="0" i="0" u="none" strike="noStrike" kern="1200" baseline="0">
+                  <a:defRPr sz="800" b="0" i="0" u="none" strike="noStrike" kern="1200" baseline="0">
                     <a:solidFill>
                       <a:schemeClr val="tx1">
                         <a:lumMod val="50000"/>
@@ -317,10 +319,10 @@
                 <c:formatCode>General</c:formatCode>
                 <c:ptCount val="2"/>
                 <c:pt idx="0">
-                  <c:v>55</c:v>
+                  <c:v>85</c:v>
                 </c:pt>
                 <c:pt idx="1">
-                  <c:v>45</c:v>
+                  <c:v>15</c:v>
                 </c:pt>
               </c:numCache>
             </c:numRef>
@@ -337,11 +339,11 @@
         </c:dLbls>
         <c:gapWidth val="444"/>
         <c:overlap val="-90"/>
-        <c:axId val="307983280"/>
-        <c:axId val="307984848"/>
+        <c:axId val="391752000"/>
+        <c:axId val="391752784"/>
       </c:barChart>
       <c:catAx>
-        <c:axId val="307983280"/>
+        <c:axId val="391752000"/>
         <c:scaling>
           <c:orientation val="minMax"/>
         </c:scaling>
@@ -383,7 +385,7 @@
           <a:lstStyle/>
           <a:p>
             <a:pPr>
-              <a:defRPr sz="1064" b="0" i="0" u="none" strike="noStrike" kern="1200" cap="all" spc="120" normalizeH="0" baseline="0">
+              <a:defRPr sz="800" b="0" i="0" u="none" strike="noStrike" kern="1200" cap="all" spc="120" normalizeH="0" baseline="0">
                 <a:solidFill>
                   <a:schemeClr val="tx1">
                     <a:lumMod val="65000"/>
@@ -398,7 +400,7 @@
             <a:endParaRPr lang="es-ES"/>
           </a:p>
         </c:txPr>
-        <c:crossAx val="307984848"/>
+        <c:crossAx val="391752784"/>
         <c:crosses val="autoZero"/>
         <c:auto val="1"/>
         <c:lblAlgn val="ctr"/>
@@ -406,7 +408,7 @@
         <c:noMultiLvlLbl val="0"/>
       </c:catAx>
       <c:valAx>
-        <c:axId val="307984848"/>
+        <c:axId val="391752784"/>
         <c:scaling>
           <c:orientation val="minMax"/>
         </c:scaling>
@@ -416,7 +418,7 @@
         <c:majorTickMark val="none"/>
         <c:minorTickMark val="none"/>
         <c:tickLblPos val="nextTo"/>
-        <c:crossAx val="307983280"/>
+        <c:crossAx val="391752000"/>
         <c:crosses val="autoZero"/>
         <c:crossBetween val="between"/>
       </c:valAx>
@@ -507,7 +509,7 @@
         <a:lumOff val="35000"/>
       </a:schemeClr>
     </cs:fontRef>
-    <cs:defRPr sz="1197" kern="1200" cap="all"/>
+    <cs:defRPr sz="900" kern="1200" cap="all"/>
   </cs:axisTitle>
   <cs:categoryAxis>
     <cs:lnRef idx="0"/>
@@ -530,7 +532,7 @@
         <a:round/>
       </a:ln>
     </cs:spPr>
-    <cs:defRPr sz="1064" kern="1200" cap="all" spc="120" normalizeH="0" baseline="0"/>
+    <cs:defRPr sz="800" kern="1200" cap="all" spc="120" normalizeH="0" baseline="0"/>
   </cs:categoryAxis>
   <cs:chartArea mods="allowNoFillOverride allowNoLineOverride">
     <cs:lnRef idx="0"/>
@@ -553,7 +555,7 @@
         <a:round/>
       </a:ln>
     </cs:spPr>
-    <cs:defRPr sz="1197" kern="1200"/>
+    <cs:defRPr sz="900" kern="1200"/>
   </cs:chartArea>
   <cs:dataLabel>
     <cs:lnRef idx="0"/>
@@ -565,7 +567,7 @@
         <a:lumOff val="50000"/>
       </a:schemeClr>
     </cs:fontRef>
-    <cs:defRPr sz="1064" b="0" i="0" u="none" strike="noStrike" kern="1200" baseline="0"/>
+    <cs:defRPr sz="800" b="0" i="0" u="none" strike="noStrike" kern="1200" baseline="0"/>
     <cs:bodyPr rot="-5400000" spcFirstLastPara="1" vertOverflow="clip" horzOverflow="clip" vert="horz" wrap="square" lIns="38100" tIns="19050" rIns="38100" bIns="19050" anchor="ctr" anchorCtr="1">
       <a:spAutoFit/>
     </cs:bodyPr>
@@ -593,7 +595,7 @@
         </a:solidFill>
       </a:ln>
     </cs:spPr>
-    <cs:defRPr sz="1197" kern="1200"/>
+    <cs:defRPr sz="900" kern="1200"/>
     <cs:bodyPr rot="0" spcFirstLastPara="1" vertOverflow="clip" horzOverflow="clip" vert="horz" wrap="square" lIns="36576" tIns="18288" rIns="36576" bIns="18288" anchor="ctr" anchorCtr="1">
       <a:spAutoFit/>
     </cs:bodyPr>
@@ -708,7 +710,7 @@
         </a:solidFill>
       </a:ln>
     </cs:spPr>
-    <cs:defRPr sz="1197" kern="1200"/>
+    <cs:defRPr sz="900" kern="1200"/>
   </cs:dataTable>
   <cs:downBar>
     <cs:lnRef idx="0"/>
@@ -862,7 +864,7 @@
         <a:lumOff val="35000"/>
       </a:schemeClr>
     </cs:fontRef>
-    <cs:defRPr sz="1197" kern="1200"/>
+    <cs:defRPr sz="900" kern="1200"/>
   </cs:legend>
   <cs:plotArea mods="allowNoFillOverride allowNoLineOverride">
     <cs:lnRef idx="0"/>
@@ -901,7 +903,7 @@
         <a:round/>
       </a:ln>
     </cs:spPr>
-    <cs:defRPr sz="1197" kern="1200"/>
+    <cs:defRPr sz="900" kern="1200"/>
   </cs:seriesAxis>
   <cs:seriesLine>
     <cs:lnRef idx="0"/>
@@ -932,7 +934,7 @@
         <a:lumOff val="35000"/>
       </a:schemeClr>
     </cs:fontRef>
-    <cs:defRPr sz="2128" b="1" kern="1200" cap="all" spc="120" normalizeH="0" baseline="0"/>
+    <cs:defRPr sz="1600" b="1" kern="1200" cap="all" spc="120" normalizeH="0" baseline="0"/>
   </cs:title>
   <cs:trendline>
     <cs:lnRef idx="0">
@@ -962,7 +964,7 @@
         <a:lumOff val="35000"/>
       </a:schemeClr>
     </cs:fontRef>
-    <cs:defRPr sz="1064" kern="1200"/>
+    <cs:defRPr sz="800" kern="1200"/>
   </cs:trendlineLabel>
   <cs:upBar>
     <cs:lnRef idx="0"/>
@@ -1006,7 +1008,7 @@
         <a:round/>
       </a:ln>
     </cs:spPr>
-    <cs:defRPr sz="1197" kern="1200"/>
+    <cs:defRPr sz="900" kern="1200"/>
   </cs:valueAxis>
   <cs:wall>
     <cs:lnRef idx="0"/>
@@ -1102,7 +1104,7 @@
             <a:fld id="{4E4206E0-8F38-491F-8DD8-9DEF31DAB11E}" type="datetimeFigureOut">
               <a:rPr lang="es-CO" smtClean="0"/>
               <a:pPr/>
-              <a:t>11/05/2017</a:t>
+              <a:t>27/06/2017</a:t>
             </a:fld>
             <a:endParaRPr lang="es-CO"/>
           </a:p>
@@ -1269,7 +1271,7 @@
             <a:fld id="{AE7E15B5-955E-4B5B-9E1F-B3C4B4C6AE0C}" type="datetimeFigureOut">
               <a:rPr lang="es-CO" smtClean="0"/>
               <a:pPr/>
-              <a:t>11/05/2017</a:t>
+              <a:t>27/06/2017</a:t>
             </a:fld>
             <a:endParaRPr lang="es-CO"/>
           </a:p>
@@ -1708,6 +1710,91 @@
 </p:notes>
 </file>
 
+<file path=ppt/notesSlides/notesSlide3.xml><?xml version="1.0" encoding="utf-8"?>
+<p:notes xmlns:a="http://schemas.openxmlformats.org/drawingml/2006/main" xmlns:r="http://schemas.openxmlformats.org/officeDocument/2006/relationships" xmlns:p="http://schemas.openxmlformats.org/presentationml/2006/main">
+  <p:cSld>
+    <p:spTree>
+      <p:nvGrpSpPr>
+        <p:cNvPr id="1" name=""/>
+        <p:cNvGrpSpPr/>
+        <p:nvPr/>
+      </p:nvGrpSpPr>
+      <p:grpSpPr>
+        <a:xfrm>
+          <a:off x="0" y="0"/>
+          <a:ext cx="0" cy="0"/>
+          <a:chOff x="0" y="0"/>
+          <a:chExt cx="0" cy="0"/>
+        </a:xfrm>
+      </p:grpSpPr>
+      <p:sp>
+        <p:nvSpPr>
+          <p:cNvPr id="2" name="Marcador de imagen de diapositiva 1"/>
+          <p:cNvSpPr>
+            <a:spLocks noGrp="1" noRot="1" noChangeAspect="1"/>
+          </p:cNvSpPr>
+          <p:nvPr>
+            <p:ph type="sldImg"/>
+          </p:nvPr>
+        </p:nvSpPr>
+        <p:spPr/>
+      </p:sp>
+      <p:sp>
+        <p:nvSpPr>
+          <p:cNvPr id="3" name="Marcador de notas 2"/>
+          <p:cNvSpPr>
+            <a:spLocks noGrp="1"/>
+          </p:cNvSpPr>
+          <p:nvPr>
+            <p:ph type="body" idx="1"/>
+          </p:nvPr>
+        </p:nvSpPr>
+        <p:spPr/>
+        <p:txBody>
+          <a:bodyPr/>
+          <a:lstStyle/>
+          <a:p>
+            <a:endParaRPr lang="es-ES" dirty="0"/>
+          </a:p>
+        </p:txBody>
+      </p:sp>
+      <p:sp>
+        <p:nvSpPr>
+          <p:cNvPr id="4" name="Marcador de número de diapositiva 3"/>
+          <p:cNvSpPr>
+            <a:spLocks noGrp="1"/>
+          </p:cNvSpPr>
+          <p:nvPr>
+            <p:ph type="sldNum" sz="quarter" idx="10"/>
+          </p:nvPr>
+        </p:nvSpPr>
+        <p:spPr/>
+        <p:txBody>
+          <a:bodyPr/>
+          <a:lstStyle/>
+          <a:p>
+            <a:fld id="{06DF1DBB-D2B5-4901-B422-57DA65914203}" type="slidenum">
+              <a:rPr lang="es-CO" smtClean="0"/>
+              <a:pPr/>
+              <a:t>9</a:t>
+            </a:fld>
+            <a:endParaRPr lang="es-CO"/>
+          </a:p>
+        </p:txBody>
+      </p:sp>
+    </p:spTree>
+    <p:extLst>
+      <p:ext uri="{BB962C8B-B14F-4D97-AF65-F5344CB8AC3E}">
+        <p14:creationId xmlns:p14="http://schemas.microsoft.com/office/powerpoint/2010/main" val="3119028927"/>
+      </p:ext>
+    </p:extLst>
+  </p:cSld>
+  <p:clrMapOvr>
+    <a:masterClrMapping/>
+  </p:clrMapOvr>
+</p:notes>
+</file>
+
 <file path=ppt/slideLayouts/slideLayout1.xml><?xml version="1.0" encoding="utf-8"?>
 <p:sldLayout xmlns:a="http://schemas.openxmlformats.org/drawingml/2006/main" xmlns:r="http://schemas.openxmlformats.org/officeDocument/2006/relationships" xmlns:p="http://schemas.openxmlformats.org/presentationml/2006/main" preserve="1" userDrawn="1">
   <p:cSld name="Portada">
@@ -1782,7 +1869,7 @@
             <a:fld id="{483D03DC-5ED8-7A42-A55E-C10C004AFC42}" type="datetimeFigureOut">
               <a:rPr lang="es-ES" smtClean="0"/>
               <a:pPr/>
-              <a:t>11/05/2017</a:t>
+              <a:t>27/06/2017</a:t>
             </a:fld>
             <a:endParaRPr lang="es-ES"/>
           </a:p>
@@ -2453,7 +2540,7 @@
             <a:fld id="{483D03DC-5ED8-7A42-A55E-C10C004AFC42}" type="datetimeFigureOut">
               <a:rPr lang="es-ES" smtClean="0"/>
               <a:pPr/>
-              <a:t>11/05/2017</a:t>
+              <a:t>27/06/2017</a:t>
             </a:fld>
             <a:endParaRPr lang="es-ES" dirty="0"/>
           </a:p>
@@ -2614,7 +2701,7 @@
             <a:fld id="{483D03DC-5ED8-7A42-A55E-C10C004AFC42}" type="datetimeFigureOut">
               <a:rPr lang="es-ES" smtClean="0"/>
               <a:pPr/>
-              <a:t>11/05/2017</a:t>
+              <a:t>27/06/2017</a:t>
             </a:fld>
             <a:endParaRPr lang="es-ES"/>
           </a:p>
@@ -3146,7 +3233,7 @@
             <a:fld id="{483D03DC-5ED8-7A42-A55E-C10C004AFC42}" type="datetimeFigureOut">
               <a:rPr lang="es-ES" smtClean="0"/>
               <a:pPr/>
-              <a:t>11/05/2017</a:t>
+              <a:t>27/06/2017</a:t>
             </a:fld>
             <a:endParaRPr lang="es-ES"/>
           </a:p>
@@ -3681,7 +3768,7 @@
             <a:fld id="{483D03DC-5ED8-7A42-A55E-C10C004AFC42}" type="datetimeFigureOut">
               <a:rPr lang="es-ES" smtClean="0"/>
               <a:pPr/>
-              <a:t>11/05/2017</a:t>
+              <a:t>27/06/2017</a:t>
             </a:fld>
             <a:endParaRPr lang="es-ES"/>
           </a:p>
@@ -3913,7 +4000,7 @@
             <a:fld id="{483D03DC-5ED8-7A42-A55E-C10C004AFC42}" type="datetimeFigureOut">
               <a:rPr lang="es-ES" smtClean="0"/>
               <a:pPr/>
-              <a:t>11/05/2017</a:t>
+              <a:t>27/06/2017</a:t>
             </a:fld>
             <a:endParaRPr lang="es-ES"/>
           </a:p>
@@ -4593,7 +4680,7 @@
             <a:fld id="{483D03DC-5ED8-7A42-A55E-C10C004AFC42}" type="datetimeFigureOut">
               <a:rPr lang="es-ES" smtClean="0"/>
               <a:pPr/>
-              <a:t>11/05/2017</a:t>
+              <a:t>27/06/2017</a:t>
             </a:fld>
             <a:endParaRPr lang="es-ES" dirty="0"/>
           </a:p>
@@ -4690,7 +4777,7 @@
             <a:fld id="{483D03DC-5ED8-7A42-A55E-C10C004AFC42}" type="datetimeFigureOut">
               <a:rPr lang="es-ES" smtClean="0"/>
               <a:pPr/>
-              <a:t>11/05/2017</a:t>
+              <a:t>27/06/2017</a:t>
             </a:fld>
             <a:endParaRPr lang="es-ES"/>
           </a:p>
@@ -5237,7 +5324,7 @@
             <a:fld id="{483D03DC-5ED8-7A42-A55E-C10C004AFC42}" type="datetimeFigureOut">
               <a:rPr lang="es-ES" smtClean="0"/>
               <a:pPr/>
-              <a:t>11/05/2017</a:t>
+              <a:t>27/06/2017</a:t>
             </a:fld>
             <a:endParaRPr lang="es-ES"/>
           </a:p>
@@ -6156,7 +6243,7 @@
             <a:fld id="{483D03DC-5ED8-7A42-A55E-C10C004AFC42}" type="datetimeFigureOut">
               <a:rPr lang="es-ES" smtClean="0"/>
               <a:pPr/>
-              <a:t>11/05/2017</a:t>
+              <a:t>27/06/2017</a:t>
             </a:fld>
             <a:endParaRPr lang="es-ES" dirty="0"/>
           </a:p>
@@ -6317,7 +6404,7 @@
             <a:fld id="{483D03DC-5ED8-7A42-A55E-C10C004AFC42}" type="datetimeFigureOut">
               <a:rPr lang="es-ES" smtClean="0"/>
               <a:pPr/>
-              <a:t>11/05/2017</a:t>
+              <a:t>27/06/2017</a:t>
             </a:fld>
             <a:endParaRPr lang="es-ES"/>
           </a:p>
@@ -6849,7 +6936,7 @@
             <a:fld id="{483D03DC-5ED8-7A42-A55E-C10C004AFC42}" type="datetimeFigureOut">
               <a:rPr lang="es-ES" smtClean="0"/>
               <a:pPr/>
-              <a:t>11/05/2017</a:t>
+              <a:t>27/06/2017</a:t>
             </a:fld>
             <a:endParaRPr lang="es-ES"/>
           </a:p>
@@ -7410,7 +7497,7 @@
             <a:fld id="{483D03DC-5ED8-7A42-A55E-C10C004AFC42}" type="datetimeFigureOut">
               <a:rPr lang="es-ES" smtClean="0"/>
               <a:pPr/>
-              <a:t>11/05/2017</a:t>
+              <a:t>27/06/2017</a:t>
             </a:fld>
             <a:endParaRPr lang="es-ES"/>
           </a:p>
@@ -8397,7 +8484,7 @@
           <p:nvPr>
             <p:extLst>
               <p:ext uri="{D42A27DB-BD31-4B8C-83A1-F6EECF244321}">
-                <p14:modId xmlns:p14="http://schemas.microsoft.com/office/powerpoint/2010/main" val="818017369"/>
+                <p14:modId xmlns:p14="http://schemas.microsoft.com/office/powerpoint/2010/main" val="1012665516"/>
               </p:ext>
             </p:extLst>
           </p:nvPr>
@@ -8544,7 +8631,14 @@
                           <a:latin typeface="Arial" panose="020B0604020202020204" pitchFamily="34" charset="0"/>
                           <a:cs typeface="Arial" panose="020B0604020202020204" pitchFamily="34" charset="0"/>
                         </a:rPr>
-                        <a:t> 8</a:t>
+                        <a:t> </a:t>
+                      </a:r>
+                      <a:r>
+                        <a:rPr lang="es-CO" sz="1800" b="0" baseline="0" dirty="0" smtClean="0">
+                          <a:latin typeface="Arial" panose="020B0604020202020204" pitchFamily="34" charset="0"/>
+                          <a:cs typeface="Arial" panose="020B0604020202020204" pitchFamily="34" charset="0"/>
+                        </a:rPr>
+                        <a:t>10</a:t>
                       </a:r>
                       <a:endParaRPr lang="es-ES" sz="1800" b="0" dirty="0" smtClean="0">
                         <a:latin typeface="Arial" panose="020B0604020202020204" pitchFamily="34" charset="0"/>
@@ -9307,7 +9401,7 @@
         </p:nvSpPr>
         <p:spPr>
           <a:xfrm>
-            <a:off x="2702856" y="4225707"/>
+            <a:off x="2702856" y="3897845"/>
             <a:ext cx="3545779" cy="1569660"/>
           </a:xfrm>
           <a:prstGeom prst="rect">
@@ -9851,8 +9945,8 @@
         </p:nvSpPr>
         <p:spPr>
           <a:xfrm>
-            <a:off x="794083" y="433138"/>
-            <a:ext cx="7435516" cy="923330"/>
+            <a:off x="2863515" y="649705"/>
+            <a:ext cx="3320716" cy="923330"/>
           </a:xfrm>
           <a:prstGeom prst="rect">
             <a:avLst/>
@@ -9870,7 +9964,7 @@
                   <a:schemeClr val="bg1"/>
                 </a:solidFill>
               </a:rPr>
-              <a:t>Diagrama de distribución</a:t>
+              <a:t>Prototipo</a:t>
             </a:r>
             <a:endParaRPr lang="es-ES" sz="5400" b="1" dirty="0">
               <a:solidFill>
@@ -9883,15 +9977,15 @@
       <p:sp>
         <p:nvSpPr>
           <p:cNvPr id="3" name="Rectángulo 2">
-            <a:hlinkClick r:id="rId2" action="ppaction://hlinkfile"/>
+            <a:hlinkClick r:id="rId2"/>
           </p:cNvPr>
           <p:cNvSpPr/>
           <p:nvPr/>
         </p:nvSpPr>
         <p:spPr>
           <a:xfrm>
-            <a:off x="2810294" y="3122868"/>
-            <a:ext cx="2877326" cy="1323439"/>
+            <a:off x="4000402" y="3122868"/>
+            <a:ext cx="892167" cy="1323439"/>
           </a:xfrm>
           <a:prstGeom prst="rect">
             <a:avLst/>
@@ -9925,7 +10019,7 @@
                   </a:outerShdw>
                 </a:effectLst>
               </a:rPr>
-              <a:t>D.D.	D.</a:t>
+              <a:t>P.</a:t>
             </a:r>
             <a:endParaRPr lang="es-ES" sz="8000" b="1" cap="none" spc="0" dirty="0">
               <a:ln w="13462">
@@ -9989,8 +10083,8 @@
         </p:nvSpPr>
         <p:spPr>
           <a:xfrm>
-            <a:off x="2863515" y="649705"/>
-            <a:ext cx="3320716" cy="923330"/>
+            <a:off x="794083" y="433138"/>
+            <a:ext cx="7435516" cy="923330"/>
           </a:xfrm>
           <a:prstGeom prst="rect">
             <a:avLst/>
@@ -10008,7 +10102,7 @@
                   <a:schemeClr val="bg1"/>
                 </a:solidFill>
               </a:rPr>
-              <a:t>Prototipo</a:t>
+              <a:t>Diagrama de distribución</a:t>
             </a:r>
             <a:endParaRPr lang="es-ES" sz="5400" b="1" dirty="0">
               <a:solidFill>
@@ -10021,15 +10115,15 @@
       <p:sp>
         <p:nvSpPr>
           <p:cNvPr id="3" name="Rectángulo 2">
-            <a:hlinkClick r:id="rId2"/>
+            <a:hlinkClick r:id="rId2" action="ppaction://hlinkfile"/>
           </p:cNvPr>
           <p:cNvSpPr/>
           <p:nvPr/>
         </p:nvSpPr>
         <p:spPr>
           <a:xfrm>
-            <a:off x="4000402" y="3122868"/>
-            <a:ext cx="892167" cy="1323439"/>
+            <a:off x="3073178" y="3122868"/>
+            <a:ext cx="2877326" cy="1323439"/>
           </a:xfrm>
           <a:prstGeom prst="rect">
             <a:avLst/>
@@ -10063,7 +10157,7 @@
                   </a:outerShdw>
                 </a:effectLst>
               </a:rPr>
-              <a:t>P.</a:t>
+              <a:t>D.D.	D.</a:t>
             </a:r>
             <a:endParaRPr lang="es-ES" sz="8000" b="1" cap="none" spc="0" dirty="0">
               <a:ln w="13462">
@@ -10230,15 +10324,61 @@
                 <a:latin typeface="Arial" panose="020B0604020202020204" pitchFamily="34" charset="0"/>
                 <a:cs typeface="Arial" panose="020B0604020202020204" pitchFamily="34" charset="0"/>
               </a:rPr>
-              <a:t>Este proyecto se realiza con el fin de mejorar el sistema de ventas de la empresa creaciones Julieth,  ya que pudimos detectar fallos en toma y entrega de pedidos</a:t>
+              <a:t>Este proyecto se realiza con el fin de mejorar el sistema de ventas de la empresa creaciones Julieth,  ya que </a:t>
             </a:r>
             <a:r>
               <a:rPr lang="es-CO" sz="2000" dirty="0" smtClean="0">
                 <a:latin typeface="Arial" panose="020B0604020202020204" pitchFamily="34" charset="0"/>
                 <a:cs typeface="Arial" panose="020B0604020202020204" pitchFamily="34" charset="0"/>
               </a:rPr>
+              <a:t>encontramos fallos </a:t>
+            </a:r>
+            <a:r>
+              <a:rPr lang="es-CO" sz="2000" dirty="0">
+                <a:latin typeface="Arial" panose="020B0604020202020204" pitchFamily="34" charset="0"/>
+                <a:cs typeface="Arial" panose="020B0604020202020204" pitchFamily="34" charset="0"/>
+              </a:rPr>
+              <a:t>en toma y entrega de </a:t>
+            </a:r>
+            <a:r>
+              <a:rPr lang="es-CO" sz="2000" dirty="0" smtClean="0">
+                <a:latin typeface="Arial" panose="020B0604020202020204" pitchFamily="34" charset="0"/>
+                <a:cs typeface="Arial" panose="020B0604020202020204" pitchFamily="34" charset="0"/>
+              </a:rPr>
+              <a:t>pedidos </a:t>
+            </a:r>
+            <a:r>
+              <a:rPr lang="es-419" sz="2000" dirty="0">
+                <a:latin typeface="Arial" panose="020B0604020202020204" pitchFamily="34" charset="0"/>
+                <a:cs typeface="Arial" panose="020B0604020202020204" pitchFamily="34" charset="0"/>
+              </a:rPr>
+              <a:t>tomando como punto de partida el previo análisis del problema que </a:t>
+            </a:r>
+            <a:r>
+              <a:rPr lang="es-419" sz="2000" dirty="0" smtClean="0">
+                <a:latin typeface="Arial" panose="020B0604020202020204" pitchFamily="34" charset="0"/>
+                <a:cs typeface="Arial" panose="020B0604020202020204" pitchFamily="34" charset="0"/>
+              </a:rPr>
+              <a:t>se presenta en </a:t>
+            </a:r>
+            <a:r>
+              <a:rPr lang="es-419" sz="2000" dirty="0">
+                <a:latin typeface="Arial" panose="020B0604020202020204" pitchFamily="34" charset="0"/>
+                <a:cs typeface="Arial" panose="020B0604020202020204" pitchFamily="34" charset="0"/>
+              </a:rPr>
+              <a:t>microempresa</a:t>
+            </a:r>
+            <a:r>
+              <a:rPr lang="es-419" sz="2000" dirty="0" smtClean="0">
+                <a:latin typeface="Arial" panose="020B0604020202020204" pitchFamily="34" charset="0"/>
+                <a:cs typeface="Arial" panose="020B0604020202020204" pitchFamily="34" charset="0"/>
+              </a:rPr>
               <a:t>.</a:t>
             </a:r>
+            <a:endParaRPr lang="es-CO" sz="2000" dirty="0" smtClean="0">
+              <a:latin typeface="Arial" panose="020B0604020202020204" pitchFamily="34" charset="0"/>
+              <a:cs typeface="Arial" panose="020B0604020202020204" pitchFamily="34" charset="0"/>
+            </a:endParaRPr>
           </a:p>
           <a:p>
             <a:pPr algn="just"/>
@@ -10249,41 +10389,33 @@
           </a:p>
           <a:p>
             <a:pPr algn="just"/>
+            <a:r>
+              <a:rPr lang="es-CO" sz="2000" dirty="0" smtClean="0">
+                <a:latin typeface="Arial" panose="020B0604020202020204" pitchFamily="34" charset="0"/>
+                <a:cs typeface="Arial" panose="020B0604020202020204" pitchFamily="34" charset="0"/>
+              </a:rPr>
+              <a:t>La empresa Creaciones Julieth es una empresa textil que comercializa uniformes para algunas instituciones entre ellas el SENA y algunos colegios.</a:t>
+            </a:r>
+          </a:p>
+          <a:p>
+            <a:pPr algn="just"/>
+            <a:endParaRPr lang="es-CO" sz="2000" dirty="0">
+              <a:latin typeface="Arial" panose="020B0604020202020204" pitchFamily="34" charset="0"/>
+              <a:cs typeface="Arial" panose="020B0604020202020204" pitchFamily="34" charset="0"/>
+            </a:endParaRPr>
+          </a:p>
+          <a:p>
+            <a:pPr algn="just"/>
+            <a:endParaRPr lang="es-CO" sz="2000" dirty="0">
+              <a:latin typeface="Arial" panose="020B0604020202020204" pitchFamily="34" charset="0"/>
+              <a:cs typeface="Arial" panose="020B0604020202020204" pitchFamily="34" charset="0"/>
+            </a:endParaRPr>
+          </a:p>
+          <a:p>
+            <a:pPr algn="just"/>
             <a:endParaRPr lang="en-US" sz="2000" dirty="0">
               <a:latin typeface="Arial" panose="020B0604020202020204" pitchFamily="34" charset="0"/>
               <a:cs typeface="Arial" panose="020B0604020202020204" pitchFamily="34" charset="0"/>
-            </a:endParaRPr>
-          </a:p>
-          <a:p>
-            <a:pPr algn="just"/>
-            <a:r>
-              <a:rPr lang="en-US" sz="2000" dirty="0">
-                <a:latin typeface="Arial" panose="020B0604020202020204" pitchFamily="34" charset="0"/>
-                <a:cs typeface="Arial" panose="020B0604020202020204" pitchFamily="34" charset="0"/>
-              </a:rPr>
-              <a:t>This project is realized in order improves the system of sales of the company creations </a:t>
-            </a:r>
-            <a:r>
-              <a:rPr lang="en-US" sz="2000" dirty="0" err="1">
-                <a:latin typeface="Arial" panose="020B0604020202020204" pitchFamily="34" charset="0"/>
-                <a:cs typeface="Arial" panose="020B0604020202020204" pitchFamily="34" charset="0"/>
-              </a:rPr>
-              <a:t>Julieth</a:t>
-            </a:r>
-            <a:r>
-              <a:rPr lang="en-US" sz="2000" dirty="0">
-                <a:latin typeface="Arial" panose="020B0604020202020204" pitchFamily="34" charset="0"/>
-                <a:cs typeface="Arial" panose="020B0604020202020204" pitchFamily="34" charset="0"/>
-              </a:rPr>
-              <a:t>, since we could detect failures in capture and delivery of orders.</a:t>
-            </a:r>
-          </a:p>
-          <a:p>
-            <a:pPr algn="just"/>
-            <a:endParaRPr lang="es-CO" sz="2000" b="1" dirty="0" smtClean="0">
-              <a:solidFill>
-                <a:srgbClr val="92D050"/>
-              </a:solidFill>
             </a:endParaRPr>
           </a:p>
         </p:txBody>
@@ -10309,6 +10441,357 @@
 </file>
 
 <file path=ppt/slides/slide20.xml><?xml version="1.0" encoding="utf-8"?>
+<p:sld xmlns:a="http://schemas.openxmlformats.org/drawingml/2006/main" xmlns:r="http://schemas.openxmlformats.org/officeDocument/2006/relationships" xmlns:p="http://schemas.openxmlformats.org/presentationml/2006/main">
+  <p:cSld>
+    <p:spTree>
+      <p:nvGrpSpPr>
+        <p:cNvPr id="1" name=""/>
+        <p:cNvGrpSpPr/>
+        <p:nvPr/>
+      </p:nvGrpSpPr>
+      <p:grpSpPr>
+        <a:xfrm>
+          <a:off x="0" y="0"/>
+          <a:ext cx="0" cy="0"/>
+          <a:chOff x="0" y="0"/>
+          <a:chExt cx="0" cy="0"/>
+        </a:xfrm>
+      </p:grpSpPr>
+      <p:sp>
+        <p:nvSpPr>
+          <p:cNvPr id="2" name="1 Rectángulo"/>
+          <p:cNvSpPr/>
+          <p:nvPr/>
+        </p:nvSpPr>
+        <p:spPr>
+          <a:xfrm>
+            <a:off x="2279983" y="505874"/>
+            <a:ext cx="4744272" cy="923330"/>
+          </a:xfrm>
+          <a:prstGeom prst="rect">
+            <a:avLst/>
+          </a:prstGeom>
+        </p:spPr>
+        <p:txBody>
+          <a:bodyPr wrap="square">
+            <a:spAutoFit/>
+          </a:bodyPr>
+          <a:lstStyle/>
+          <a:p>
+            <a:r>
+              <a:rPr lang="es-CO" sz="5400" b="1" dirty="0" smtClean="0">
+                <a:solidFill>
+                  <a:schemeClr val="bg1"/>
+                </a:solidFill>
+              </a:rPr>
+              <a:t>Versionamiento</a:t>
+            </a:r>
+            <a:endParaRPr lang="es-ES" sz="5400" b="1" dirty="0">
+              <a:solidFill>
+                <a:schemeClr val="bg1"/>
+              </a:solidFill>
+            </a:endParaRPr>
+          </a:p>
+        </p:txBody>
+      </p:sp>
+      <p:sp>
+        <p:nvSpPr>
+          <p:cNvPr id="3" name="Rectángulo 2">
+            <a:hlinkClick r:id="rId2"/>
+          </p:cNvPr>
+          <p:cNvSpPr/>
+          <p:nvPr/>
+        </p:nvSpPr>
+        <p:spPr>
+          <a:xfrm>
+            <a:off x="4168589" y="3122868"/>
+            <a:ext cx="967060" cy="1323439"/>
+          </a:xfrm>
+          <a:prstGeom prst="rect">
+            <a:avLst/>
+          </a:prstGeom>
+          <a:noFill/>
+        </p:spPr>
+        <p:txBody>
+          <a:bodyPr wrap="none" lIns="91440" tIns="45720" rIns="91440" bIns="45720">
+            <a:spAutoFit/>
+          </a:bodyPr>
+          <a:lstStyle/>
+          <a:p>
+            <a:pPr algn="ctr"/>
+            <a:r>
+              <a:rPr lang="es-CO" sz="8000" b="1" dirty="0" smtClean="0">
+                <a:ln w="13462">
+                  <a:solidFill>
+                    <a:schemeClr val="bg1"/>
+                  </a:solidFill>
+                  <a:prstDash val="solid"/>
+                </a:ln>
+                <a:solidFill>
+                  <a:schemeClr val="tx1">
+                    <a:lumMod val="85000"/>
+                    <a:lumOff val="15000"/>
+                  </a:schemeClr>
+                </a:solidFill>
+                <a:effectLst>
+                  <a:outerShdw dist="38100" dir="2700000" algn="bl" rotWithShape="0">
+                    <a:schemeClr val="accent5"/>
+                  </a:outerShdw>
+                </a:effectLst>
+              </a:rPr>
+              <a:t>V.</a:t>
+            </a:r>
+            <a:endParaRPr lang="es-ES" sz="8000" b="1" cap="none" spc="0" dirty="0">
+              <a:ln w="13462">
+                <a:solidFill>
+                  <a:schemeClr val="bg1"/>
+                </a:solidFill>
+                <a:prstDash val="solid"/>
+              </a:ln>
+              <a:solidFill>
+                <a:schemeClr val="tx1">
+                  <a:lumMod val="85000"/>
+                  <a:lumOff val="15000"/>
+                </a:schemeClr>
+              </a:solidFill>
+              <a:effectLst>
+                <a:outerShdw dist="38100" dir="2700000" algn="bl" rotWithShape="0">
+                  <a:schemeClr val="accent5"/>
+                </a:outerShdw>
+              </a:effectLst>
+            </a:endParaRPr>
+          </a:p>
+        </p:txBody>
+      </p:sp>
+    </p:spTree>
+    <p:extLst>
+      <p:ext uri="{BB962C8B-B14F-4D97-AF65-F5344CB8AC3E}">
+        <p14:creationId xmlns:p14="http://schemas.microsoft.com/office/powerpoint/2010/main" val="68785179"/>
+      </p:ext>
+    </p:extLst>
+  </p:cSld>
+  <p:clrMapOvr>
+    <a:masterClrMapping/>
+  </p:clrMapOvr>
+  <p:timing>
+    <p:tnLst>
+      <p:par>
+        <p:cTn id="1" dur="indefinite" restart="never" nodeType="tmRoot"/>
+      </p:par>
+    </p:tnLst>
+  </p:timing>
+</p:sld>
+</file>
+
+<file path=ppt/slides/slide21.xml><?xml version="1.0" encoding="utf-8"?>
+<p:sld xmlns:a="http://schemas.openxmlformats.org/drawingml/2006/main" xmlns:r="http://schemas.openxmlformats.org/officeDocument/2006/relationships" xmlns:p="http://schemas.openxmlformats.org/presentationml/2006/main">
+  <p:cSld>
+    <p:spTree>
+      <p:nvGrpSpPr>
+        <p:cNvPr id="1" name=""/>
+        <p:cNvGrpSpPr/>
+        <p:nvPr/>
+      </p:nvGrpSpPr>
+      <p:grpSpPr>
+        <a:xfrm>
+          <a:off x="0" y="0"/>
+          <a:ext cx="0" cy="0"/>
+          <a:chOff x="0" y="0"/>
+          <a:chExt cx="0" cy="0"/>
+        </a:xfrm>
+      </p:grpSpPr>
+      <p:sp>
+        <p:nvSpPr>
+          <p:cNvPr id="2" name="1 Rectángulo"/>
+          <p:cNvSpPr/>
+          <p:nvPr/>
+        </p:nvSpPr>
+        <p:spPr>
+          <a:xfrm>
+            <a:off x="1702377" y="505874"/>
+            <a:ext cx="6292518" cy="923330"/>
+          </a:xfrm>
+          <a:prstGeom prst="rect">
+            <a:avLst/>
+          </a:prstGeom>
+        </p:spPr>
+        <p:txBody>
+          <a:bodyPr wrap="square">
+            <a:spAutoFit/>
+          </a:bodyPr>
+          <a:lstStyle/>
+          <a:p>
+            <a:r>
+              <a:rPr lang="es-CO" sz="5400" b="1" dirty="0" smtClean="0">
+                <a:solidFill>
+                  <a:schemeClr val="bg1"/>
+                </a:solidFill>
+              </a:rPr>
+              <a:t>Manuales </a:t>
+            </a:r>
+            <a:r>
+              <a:rPr lang="es-CO" sz="5400" b="1" dirty="0" smtClean="0">
+                <a:solidFill>
+                  <a:schemeClr val="bg1"/>
+                </a:solidFill>
+              </a:rPr>
+              <a:t>de Usuario</a:t>
+            </a:r>
+          </a:p>
+        </p:txBody>
+      </p:sp>
+      <p:sp>
+        <p:nvSpPr>
+          <p:cNvPr id="3" name="Rectángulo 2">
+            <a:hlinkClick r:id="rId2" action="ppaction://hlinkfile"/>
+          </p:cNvPr>
+          <p:cNvSpPr/>
+          <p:nvPr/>
+        </p:nvSpPr>
+        <p:spPr>
+          <a:xfrm>
+            <a:off x="2849663" y="2163605"/>
+            <a:ext cx="3997946" cy="1323439"/>
+          </a:xfrm>
+          <a:prstGeom prst="rect">
+            <a:avLst/>
+          </a:prstGeom>
+          <a:noFill/>
+        </p:spPr>
+        <p:txBody>
+          <a:bodyPr wrap="square" lIns="91440" tIns="45720" rIns="91440" bIns="45720">
+            <a:spAutoFit/>
+          </a:bodyPr>
+          <a:lstStyle/>
+          <a:p>
+            <a:pPr algn="ctr"/>
+            <a:r>
+              <a:rPr lang="es-CO" sz="8000" b="1" dirty="0" smtClean="0">
+                <a:ln w="13462">
+                  <a:solidFill>
+                    <a:schemeClr val="bg1"/>
+                  </a:solidFill>
+                  <a:prstDash val="solid"/>
+                </a:ln>
+                <a:solidFill>
+                  <a:schemeClr val="tx1">
+                    <a:lumMod val="85000"/>
+                    <a:lumOff val="15000"/>
+                  </a:schemeClr>
+                </a:solidFill>
+                <a:effectLst>
+                  <a:outerShdw dist="38100" dir="2700000" algn="bl" rotWithShape="0">
+                    <a:schemeClr val="accent5"/>
+                  </a:outerShdw>
+                </a:effectLst>
+              </a:rPr>
+              <a:t>M.U.U.E.</a:t>
+            </a:r>
+            <a:endParaRPr lang="es-CO" sz="8000" b="1" dirty="0" smtClean="0">
+              <a:ln w="13462">
+                <a:solidFill>
+                  <a:schemeClr val="bg1"/>
+                </a:solidFill>
+                <a:prstDash val="solid"/>
+              </a:ln>
+              <a:solidFill>
+                <a:schemeClr val="tx1">
+                  <a:lumMod val="85000"/>
+                  <a:lumOff val="15000"/>
+                </a:schemeClr>
+              </a:solidFill>
+              <a:effectLst>
+                <a:outerShdw dist="38100" dir="2700000" algn="bl" rotWithShape="0">
+                  <a:schemeClr val="accent5"/>
+                </a:outerShdw>
+              </a:effectLst>
+            </a:endParaRPr>
+          </a:p>
+        </p:txBody>
+      </p:sp>
+      <p:sp>
+        <p:nvSpPr>
+          <p:cNvPr id="4" name="Rectángulo 3">
+            <a:hlinkClick r:id="rId3" action="ppaction://hlinkfile"/>
+          </p:cNvPr>
+          <p:cNvSpPr/>
+          <p:nvPr/>
+        </p:nvSpPr>
+        <p:spPr>
+          <a:xfrm>
+            <a:off x="3071336" y="3487044"/>
+            <a:ext cx="3307036" cy="1323439"/>
+          </a:xfrm>
+          <a:prstGeom prst="rect">
+            <a:avLst/>
+          </a:prstGeom>
+          <a:noFill/>
+        </p:spPr>
+        <p:txBody>
+          <a:bodyPr wrap="square" lIns="91440" tIns="45720" rIns="91440" bIns="45720">
+            <a:spAutoFit/>
+          </a:bodyPr>
+          <a:lstStyle/>
+          <a:p>
+            <a:pPr algn="ctr"/>
+            <a:r>
+              <a:rPr lang="es-CO" sz="8000" b="1" dirty="0" smtClean="0">
+                <a:ln w="13462">
+                  <a:solidFill>
+                    <a:schemeClr val="bg1"/>
+                  </a:solidFill>
+                  <a:prstDash val="solid"/>
+                </a:ln>
+                <a:solidFill>
+                  <a:schemeClr val="tx1">
+                    <a:lumMod val="85000"/>
+                    <a:lumOff val="15000"/>
+                  </a:schemeClr>
+                </a:solidFill>
+                <a:effectLst>
+                  <a:outerShdw dist="38100" dir="2700000" algn="bl" rotWithShape="0">
+                    <a:schemeClr val="accent5"/>
+                  </a:outerShdw>
+                </a:effectLst>
+              </a:rPr>
+              <a:t>M.U.A.</a:t>
+            </a:r>
+            <a:endParaRPr lang="es-CO" sz="8000" b="1" dirty="0" smtClean="0">
+              <a:ln w="13462">
+                <a:solidFill>
+                  <a:schemeClr val="bg1"/>
+                </a:solidFill>
+                <a:prstDash val="solid"/>
+              </a:ln>
+              <a:solidFill>
+                <a:schemeClr val="tx1">
+                  <a:lumMod val="85000"/>
+                  <a:lumOff val="15000"/>
+                </a:schemeClr>
+              </a:solidFill>
+              <a:effectLst>
+                <a:outerShdw dist="38100" dir="2700000" algn="bl" rotWithShape="0">
+                  <a:schemeClr val="accent5"/>
+                </a:outerShdw>
+              </a:effectLst>
+            </a:endParaRPr>
+          </a:p>
+        </p:txBody>
+      </p:sp>
+    </p:spTree>
+    <p:extLst>
+      <p:ext uri="{BB962C8B-B14F-4D97-AF65-F5344CB8AC3E}">
+        <p14:creationId xmlns:p14="http://schemas.microsoft.com/office/powerpoint/2010/main" val="1788727176"/>
+      </p:ext>
+    </p:extLst>
+  </p:cSld>
+  <p:clrMapOvr>
+    <a:masterClrMapping/>
+  </p:clrMapOvr>
+</p:sld>
+</file>
+
+<file path=ppt/slides/slide22.xml><?xml version="1.0" encoding="utf-8"?>
 <p:sld xmlns:a="http://schemas.openxmlformats.org/drawingml/2006/main" xmlns:r="http://schemas.openxmlformats.org/officeDocument/2006/relationships" xmlns:p="http://schemas.openxmlformats.org/presentationml/2006/main">
   <p:cSld>
     <p:spTree>
@@ -10730,19 +11213,16 @@
               <a:t>Hacer una gestión de las facturas y de los pedidos conforme a las leyes del comercio </a:t>
             </a:r>
             <a:r>
-              <a:rPr lang="es-ES" dirty="0" err="1" smtClean="0">
-                <a:latin typeface="Arial" panose="020B0604020202020204" pitchFamily="34" charset="0"/>
-                <a:cs typeface="Arial" panose="020B0604020202020204" pitchFamily="34" charset="0"/>
-              </a:rPr>
-              <a:t>electronico</a:t>
-            </a:r>
-            <a:r>
               <a:rPr lang="es-ES" dirty="0" smtClean="0">
                 <a:latin typeface="Arial" panose="020B0604020202020204" pitchFamily="34" charset="0"/>
                 <a:cs typeface="Arial" panose="020B0604020202020204" pitchFamily="34" charset="0"/>
               </a:rPr>
-              <a:t>.</a:t>
+              <a:t>electrónico.</a:t>
             </a:r>
+            <a:endParaRPr lang="es-ES" dirty="0" smtClean="0">
+              <a:latin typeface="Arial" panose="020B0604020202020204" pitchFamily="34" charset="0"/>
+              <a:cs typeface="Arial" panose="020B0604020202020204" pitchFamily="34" charset="0"/>
+            </a:endParaRPr>
           </a:p>
           <a:p>
             <a:pPr marL="342900" indent="-342900" algn="just">
@@ -11330,7 +11810,7 @@
         </p:nvSpPr>
         <p:spPr>
           <a:xfrm>
-            <a:off x="3838820" y="5263726"/>
+            <a:off x="4164917" y="5244309"/>
             <a:ext cx="1129476" cy="923330"/>
           </a:xfrm>
           <a:prstGeom prst="rect">
@@ -11389,21 +11869,21 @@
       </p:sp>
       <p:graphicFrame>
         <p:nvGraphicFramePr>
-          <p:cNvPr id="10" name="Gráfico 9"/>
+          <p:cNvPr id="5" name="Gráfico 4"/>
           <p:cNvGraphicFramePr>
             <a:graphicFrameLocks/>
           </p:cNvGraphicFramePr>
           <p:nvPr>
             <p:extLst>
               <p:ext uri="{D42A27DB-BD31-4B8C-83A1-F6EECF244321}">
-                <p14:modId xmlns:p14="http://schemas.microsoft.com/office/powerpoint/2010/main" val="3570839117"/>
+                <p14:modId xmlns:p14="http://schemas.microsoft.com/office/powerpoint/2010/main" val="3206313281"/>
               </p:ext>
             </p:extLst>
           </p:nvPr>
         </p:nvGraphicFramePr>
         <p:xfrm>
-          <a:off x="1599366" y="1573035"/>
-          <a:ext cx="5700069" cy="3897599"/>
+          <a:off x="2085169" y="2057399"/>
+          <a:ext cx="5288973" cy="3397827"/>
         </p:xfrm>
         <a:graphic>
           <a:graphicData uri="http://schemas.openxmlformats.org/drawingml/2006/chart">
@@ -11489,7 +11969,7 @@
           <p:nvPr/>
         </p:nvPicPr>
         <p:blipFill rotWithShape="1">
-          <a:blip r:embed="rId2"/>
+          <a:blip r:embed="rId3"/>
           <a:srcRect t="6306"/>
           <a:stretch/>
         </p:blipFill>
